--- a/MonCal Intro Presentation.pptx
+++ b/MonCal Intro Presentation.pptx
@@ -26461,7 +26461,7 @@
         <p:spPr>
           <a:xfrm>
             <a:off x="2568225" y="3478800"/>
-            <a:ext cx="1702500" cy="868800"/>
+            <a:ext cx="1555800" cy="868800"/>
           </a:xfrm>
           <a:prstGeom prst="rect">
             <a:avLst/>
@@ -26516,47 +26516,7 @@
                 <a:cs typeface="Lato"/>
                 <a:sym typeface="Lato"/>
               </a:rPr>
-              <a:t>Platform Specific Apps</a:t>
-            </a:r>
-            <a:endParaRPr sz="1300">
-              <a:solidFill>
-                <a:srgbClr val="FFFFFF"/>
-              </a:solidFill>
-              <a:latin typeface="Lato"/>
-              <a:ea typeface="Lato"/>
-              <a:cs typeface="Lato"/>
-              <a:sym typeface="Lato"/>
-            </a:endParaRPr>
-          </a:p>
-          <a:p>
-            <a:pPr indent="0" lvl="0" marL="0" rtl="0" algn="l">
-              <a:lnSpc>
-                <a:spcPct val="100000"/>
-              </a:lnSpc>
-              <a:spcBef>
-                <a:spcPts val="0"/>
-              </a:spcBef>
-              <a:spcAft>
-                <a:spcPts val="0"/>
-              </a:spcAft>
-              <a:buClr>
-                <a:srgbClr val="000000"/>
-              </a:buClr>
-              <a:buSzPts val="1100"/>
-              <a:buFont typeface="Arial"/>
-              <a:buNone/>
-            </a:pPr>
-            <a:r>
-              <a:rPr lang="en" sz="1300">
-                <a:solidFill>
-                  <a:srgbClr val="FFFFFF"/>
-                </a:solidFill>
-                <a:latin typeface="Lato"/>
-                <a:ea typeface="Lato"/>
-                <a:cs typeface="Lato"/>
-                <a:sym typeface="Lato"/>
-              </a:rPr>
-              <a:t>- Calendar integration Apps</a:t>
+              <a:t>Desktop Calendar integration Apps like Calendar for Windows</a:t>
             </a:r>
             <a:endParaRPr sz="1500">
               <a:solidFill>
@@ -26742,7 +26702,7 @@
                 <a:cs typeface="Lato"/>
                 <a:sym typeface="Lato"/>
               </a:rPr>
-              <a:t>Organizations using multiple platforms and need centralized event control</a:t>
+              <a:t>Students using multiple platforms and need centralized calendar control</a:t>
             </a:r>
             <a:endParaRPr sz="1500">
               <a:solidFill>
@@ -27004,8 +26964,8 @@
         </p:nvSpPr>
         <p:spPr>
           <a:xfrm>
-            <a:off x="4216813" y="1882413"/>
-            <a:ext cx="1623900" cy="868800"/>
+            <a:off x="4124025" y="1809938"/>
+            <a:ext cx="1761000" cy="1215000"/>
           </a:xfrm>
           <a:prstGeom prst="rect">
             <a:avLst/>
@@ -27048,19 +27008,7 @@
                 <a:cs typeface="Lato"/>
                 <a:sym typeface="Lato"/>
               </a:rPr>
-              <a:t>Centralized</a:t>
-            </a:r>
-            <a:r>
-              <a:rPr lang="en" sz="1300">
-                <a:solidFill>
-                  <a:srgbClr val="FFFFFF"/>
-                </a:solidFill>
-                <a:latin typeface="Lato"/>
-                <a:ea typeface="Lato"/>
-                <a:cs typeface="Lato"/>
-                <a:sym typeface="Lato"/>
-              </a:rPr>
-              <a:t> hub control for all platforms using ApIs</a:t>
+              <a:t>Scheduling classes and assignments offering more granularity with recurrence patterns</a:t>
             </a:r>
             <a:endParaRPr sz="1500">
               <a:solidFill>
@@ -27156,7 +27104,7 @@
                 <a:cs typeface="Lato"/>
                 <a:sym typeface="Lato"/>
               </a:rPr>
-              <a:t>- User friendliness</a:t>
+              <a:t>- User friendly interfaces</a:t>
             </a:r>
             <a:endParaRPr sz="1300">
               <a:solidFill>
@@ -28367,7 +28315,25 @@
                 <a:cs typeface="Poppins"/>
                 <a:sym typeface="Poppins"/>
               </a:rPr>
-              <a:t>It’s hard to schedule, view, and manage events across multiple platforms.</a:t>
+              <a:t>It’s hard to schedule, view, and manage events </a:t>
+            </a:r>
+            <a:r>
+              <a:rPr lang="en" sz="1700">
+                <a:latin typeface="Poppins"/>
+                <a:ea typeface="Poppins"/>
+                <a:cs typeface="Poppins"/>
+                <a:sym typeface="Poppins"/>
+              </a:rPr>
+              <a:t>intuitively</a:t>
+            </a:r>
+            <a:r>
+              <a:rPr lang="en" sz="1700">
+                <a:latin typeface="Poppins"/>
+                <a:ea typeface="Poppins"/>
+                <a:cs typeface="Poppins"/>
+                <a:sym typeface="Poppins"/>
+              </a:rPr>
+              <a:t> across multiple platforms.</a:t>
             </a:r>
             <a:endParaRPr sz="1700">
               <a:latin typeface="Poppins"/>
@@ -28466,106 +28432,72 @@
           </a:bodyPr>
           <a:lstStyle/>
           <a:p>
-            <a:pPr indent="-317500" lvl="0" marL="457200" rtl="0" algn="l">
-              <a:spcBef>
-                <a:spcPts val="0"/>
-              </a:spcBef>
-              <a:spcAft>
-                <a:spcPts val="0"/>
-              </a:spcAft>
-              <a:buSzPts val="1400"/>
+            <a:pPr indent="-336550" lvl="0" marL="457200" rtl="0" algn="l">
+              <a:spcBef>
+                <a:spcPts val="0"/>
+              </a:spcBef>
+              <a:spcAft>
+                <a:spcPts val="0"/>
+              </a:spcAft>
+              <a:buSzPts val="1700"/>
               <a:buChar char="●"/>
             </a:pPr>
             <a:r>
-              <a:rPr lang="en" sz="1500"/>
-              <a:t>The system can be built using modern technology and resources.</a:t>
+              <a:rPr lang="en" sz="1800"/>
+              <a:t>The application will be developed using popular programming languages such as C#/C++, and will incorporate a user-friendly interface to make it easy for users to interact with their calendar data.</a:t>
             </a:r>
-            <a:endParaRPr sz="1500"/>
+            <a:endParaRPr sz="1800"/>
           </a:p>
           <a:p>
-            <a:pPr indent="-317500" lvl="0" marL="457200" rtl="0" algn="l">
-              <a:spcBef>
-                <a:spcPts val="0"/>
-              </a:spcBef>
-              <a:spcAft>
-                <a:spcPts val="0"/>
-              </a:spcAft>
-              <a:buSzPts val="1400"/>
+            <a:pPr indent="-342900" lvl="0" marL="457200" rtl="0" algn="l">
+              <a:spcBef>
+                <a:spcPts val="0"/>
+              </a:spcBef>
+              <a:spcAft>
+                <a:spcPts val="0"/>
+              </a:spcAft>
+              <a:buSzPts val="1800"/>
               <a:buChar char="●"/>
             </a:pPr>
             <a:r>
-              <a:rPr lang="en" sz="1500"/>
-              <a:t> The application will be designed using a modular architecture to promote maintainability and scalability.</a:t>
+              <a:rPr lang="en" sz="1800"/>
+              <a:t>The application will use APIs from popular calendar platforms to access and manage user calendar data, allowing users to easily connect their calendars to the application.</a:t>
             </a:r>
-            <a:endParaRPr sz="1500"/>
+            <a:endParaRPr sz="1800"/>
           </a:p>
           <a:p>
-            <a:pPr indent="-317500" lvl="0" marL="457200" rtl="0" algn="l">
-              <a:spcBef>
-                <a:spcPts val="0"/>
-              </a:spcBef>
-              <a:spcAft>
-                <a:spcPts val="0"/>
-              </a:spcAft>
-              <a:buSzPts val="1400"/>
+            <a:pPr indent="-336550" lvl="0" marL="457200" rtl="0" algn="l">
+              <a:spcBef>
+                <a:spcPts val="0"/>
+              </a:spcBef>
+              <a:spcAft>
+                <a:spcPts val="0"/>
+              </a:spcAft>
+              <a:buSzPts val="1700"/>
               <a:buChar char="●"/>
             </a:pPr>
             <a:r>
-              <a:rPr lang="en" sz="1500"/>
-              <a:t>The main components/modules that will interact are the calendar platform APIs, the centralized hub, and the advanced scheduling module.</a:t>
+              <a:rPr lang="en" sz="1800"/>
+              <a:t>The main components/modules that will interact are the calendar platform APIs, the calendar GUI, and event scheduling modules.</a:t>
             </a:r>
-            <a:endParaRPr sz="1500"/>
+            <a:endParaRPr sz="1800"/>
           </a:p>
           <a:p>
-            <a:pPr indent="-317500" lvl="0" marL="457200" rtl="0" algn="l">
-              <a:spcBef>
-                <a:spcPts val="0"/>
-              </a:spcBef>
-              <a:spcAft>
-                <a:spcPts val="0"/>
-              </a:spcAft>
-              <a:buSzPts val="1400"/>
+            <a:pPr indent="-336550" lvl="0" marL="457200" rtl="0" algn="l">
+              <a:spcBef>
+                <a:spcPts val="0"/>
+              </a:spcBef>
+              <a:spcAft>
+                <a:spcPts val="0"/>
+              </a:spcAft>
+              <a:buSzPts val="1700"/>
               <a:buChar char="●"/>
             </a:pPr>
             <a:r>
-              <a:rPr lang="en" sz="1500"/>
-              <a:t>Data will be accessed and stored in a centralized database that will contain user event data and account information.</a:t>
+              <a:rPr lang="en" sz="1800"/>
+              <a:t>Data will be accessed and stored locally that will contain user event data and account information.</a:t>
             </a:r>
-            <a:endParaRPr sz="1500"/>
-          </a:p>
-          <a:p>
-            <a:pPr indent="-317500" lvl="0" marL="457200" rtl="0" algn="l">
-              <a:spcBef>
-                <a:spcPts val="0"/>
-              </a:spcBef>
-              <a:spcAft>
-                <a:spcPts val="0"/>
-              </a:spcAft>
-              <a:buSzPts val="1400"/>
-              <a:buChar char="●"/>
-            </a:pPr>
-            <a:r>
-              <a:rPr lang="en" sz="1500"/>
-              <a:t>The database will be accessible via the application and the API calls made to the different calendar platforms.</a:t>
-            </a:r>
-            <a:endParaRPr sz="1500"/>
-          </a:p>
-          <a:p>
-            <a:pPr indent="-317500" lvl="0" marL="457200" rtl="0" algn="l">
-              <a:spcBef>
-                <a:spcPts val="0"/>
-              </a:spcBef>
-              <a:spcAft>
-                <a:spcPts val="0"/>
-              </a:spcAft>
-              <a:buSzPts val="1400"/>
-              <a:buChar char="●"/>
-            </a:pPr>
-            <a:r>
-              <a:rPr lang="en" sz="1500"/>
-              <a:t>The application will be built using a combination of languages and toolkits such as Python and GIT to ensure a robust, efficient, and user-friendly interface.</a:t>
-            </a:r>
-            <a:endParaRPr sz="1500"/>
+            <a:endParaRPr sz="1800"/>
           </a:p>
           <a:p>
             <a:pPr indent="0" lvl="0" marL="0" rtl="0" algn="l">
@@ -28674,8 +28606,8 @@
         </p:nvSpPr>
         <p:spPr>
           <a:xfrm>
-            <a:off x="1426359" y="2935325"/>
-            <a:ext cx="1891800" cy="640500"/>
+            <a:off x="1437525" y="2849675"/>
+            <a:ext cx="1891800" cy="1132200"/>
           </a:xfrm>
           <a:prstGeom prst="rect">
             <a:avLst/>
@@ -28706,7 +28638,7 @@
                 <a:cs typeface="Lato"/>
                 <a:sym typeface="Lato"/>
               </a:rPr>
-              <a:t>C</a:t>
+              <a:t>Integrating APIs of different calendar platforms is the most serious </a:t>
             </a:r>
             <a:r>
               <a:rPr lang="en" sz="1300">
@@ -28718,7 +28650,7 @@
                 <a:cs typeface="Lato"/>
                 <a:sym typeface="Lato"/>
               </a:rPr>
-              <a:t>onduct extensive research, testing, and working closely with platform's dev team.</a:t>
+              <a:t>challenge for on-time delivery</a:t>
             </a:r>
             <a:endParaRPr sz="1300">
               <a:solidFill>
@@ -28812,8 +28744,8 @@
         </p:nvSpPr>
         <p:spPr>
           <a:xfrm>
-            <a:off x="3581433" y="2935325"/>
-            <a:ext cx="1891800" cy="640500"/>
+            <a:off x="3581425" y="2935325"/>
+            <a:ext cx="1891800" cy="960900"/>
           </a:xfrm>
           <a:prstGeom prst="rect">
             <a:avLst/>
@@ -28844,7 +28776,7 @@
                 <a:cs typeface="Lato"/>
                 <a:sym typeface="Lato"/>
               </a:rPr>
-              <a:t>Implement encryption and two-factor authentication.</a:t>
+              <a:t>Security breach is potential risk to minimize</a:t>
             </a:r>
             <a:endParaRPr sz="1300">
               <a:solidFill>
@@ -28923,8 +28855,8 @@
         </p:nvSpPr>
         <p:spPr>
           <a:xfrm>
-            <a:off x="5725316" y="2935325"/>
-            <a:ext cx="1891800" cy="640500"/>
+            <a:off x="5725325" y="2935325"/>
+            <a:ext cx="1891800" cy="960900"/>
           </a:xfrm>
           <a:prstGeom prst="rect">
             <a:avLst/>
@@ -28955,7 +28887,7 @@
                 <a:cs typeface="Lato"/>
                 <a:sym typeface="Lato"/>
               </a:rPr>
-              <a:t>Agile development methodology, iterative development, and collaboration.</a:t>
+              <a:t>Unforeseen technical issues may impact project schedule</a:t>
             </a:r>
             <a:endParaRPr sz="1300"/>
           </a:p>
@@ -29484,6 +29416,93 @@
           </p:spPr>
         </p:cxnSp>
       </p:grpSp>
+      <p:sp>
+        <p:nvSpPr>
+          <p:cNvPr id="418" name="Google Shape;418;p34"/>
+          <p:cNvSpPr txBox="1"/>
+          <p:nvPr/>
+        </p:nvSpPr>
+        <p:spPr>
+          <a:xfrm>
+            <a:off x="240375" y="4226525"/>
+            <a:ext cx="4294500" cy="615600"/>
+          </a:xfrm>
+          <a:prstGeom prst="rect">
+            <a:avLst/>
+          </a:prstGeom>
+          <a:noFill/>
+          <a:ln>
+            <a:noFill/>
+          </a:ln>
+        </p:spPr>
+        <p:txBody>
+          <a:bodyPr anchorCtr="0" anchor="t" bIns="91425" lIns="91425" spcFirstLastPara="1" rIns="91425" wrap="square" tIns="91425">
+            <a:spAutoFit/>
+          </a:bodyPr>
+          <a:lstStyle/>
+          <a:p>
+            <a:pPr indent="0" lvl="0" marL="0" rtl="0" algn="ctr">
+              <a:spcBef>
+                <a:spcPts val="0"/>
+              </a:spcBef>
+              <a:spcAft>
+                <a:spcPts val="0"/>
+              </a:spcAft>
+              <a:buNone/>
+            </a:pPr>
+            <a:r>
+              <a:rPr lang="en">
+                <a:solidFill>
+                  <a:srgbClr val="FFFFFF"/>
+                </a:solidFill>
+                <a:latin typeface="Barlow Semi Condensed"/>
+                <a:ea typeface="Barlow Semi Condensed"/>
+                <a:cs typeface="Barlow Semi Condensed"/>
+                <a:sym typeface="Barlow Semi Condensed"/>
+              </a:rPr>
+              <a:t>To minimize this risk we will conduct extensive research and thoroughly study the API's documentation.</a:t>
+            </a:r>
+            <a:endParaRPr>
+              <a:solidFill>
+                <a:srgbClr val="FFFFFF"/>
+              </a:solidFill>
+              <a:latin typeface="Barlow Semi Condensed"/>
+              <a:ea typeface="Barlow Semi Condensed"/>
+              <a:cs typeface="Barlow Semi Condensed"/>
+              <a:sym typeface="Barlow Semi Condensed"/>
+            </a:endParaRPr>
+          </a:p>
+        </p:txBody>
+      </p:sp>
+      <p:cxnSp>
+        <p:nvCxnSpPr>
+          <p:cNvPr id="419" name="Google Shape;419;p34"/>
+          <p:cNvCxnSpPr>
+            <a:stCxn id="400" idx="2"/>
+            <a:endCxn id="418" idx="0"/>
+          </p:cNvCxnSpPr>
+          <p:nvPr/>
+        </p:nvCxnSpPr>
+        <p:spPr>
+          <a:xfrm>
+            <a:off x="2383425" y="3981875"/>
+            <a:ext cx="4200" cy="244800"/>
+          </a:xfrm>
+          <a:prstGeom prst="straightConnector1">
+            <a:avLst/>
+          </a:prstGeom>
+          <a:noFill/>
+          <a:ln cap="flat" cmpd="sng" w="9525">
+            <a:solidFill>
+              <a:srgbClr val="FFFFFF"/>
+            </a:solidFill>
+            <a:prstDash val="solid"/>
+            <a:round/>
+            <a:headEnd len="med" w="med" type="none"/>
+            <a:tailEnd len="med" w="med" type="triangle"/>
+          </a:ln>
+        </p:spPr>
+      </p:cxnSp>
     </p:spTree>
   </p:cSld>
   <p:clrMapOvr>
@@ -29493,6 +29512,285 @@
 </file>
 
 <file path=ppt/theme/theme1.xml><?xml version="1.0" encoding="utf-8"?>
+<a:theme xmlns:a="http://schemas.openxmlformats.org/drawingml/2006/main" xmlns:r="http://schemas.openxmlformats.org/officeDocument/2006/relationships">
+  <a:themeElements>
+    <a:clrScheme name="Default">
+      <a:dk1>
+        <a:srgbClr val="000000"/>
+      </a:dk1>
+      <a:lt1>
+        <a:srgbClr val="FFFFFF"/>
+      </a:lt1>
+      <a:dk2>
+        <a:srgbClr val="158158"/>
+      </a:dk2>
+      <a:lt2>
+        <a:srgbClr val="F3F3F3"/>
+      </a:lt2>
+      <a:accent1>
+        <a:srgbClr val="058DC7"/>
+      </a:accent1>
+      <a:accent2>
+        <a:srgbClr val="50B432"/>
+      </a:accent2>
+      <a:accent3>
+        <a:srgbClr val="ED561B"/>
+      </a:accent3>
+      <a:accent4>
+        <a:srgbClr val="EDEF00"/>
+      </a:accent4>
+      <a:accent5>
+        <a:srgbClr val="24CBE5"/>
+      </a:accent5>
+      <a:accent6>
+        <a:srgbClr val="64E572"/>
+      </a:accent6>
+      <a:hlink>
+        <a:srgbClr val="2200CC"/>
+      </a:hlink>
+      <a:folHlink>
+        <a:srgbClr val="551A8B"/>
+      </a:folHlink>
+    </a:clrScheme>
+    <a:fontScheme name="Office">
+      <a:majorFont>
+        <a:latin typeface="Arial"/>
+        <a:ea typeface=""/>
+        <a:cs typeface=""/>
+        <a:font script="Jpan" typeface="ＭＳ Ｐゴシック"/>
+        <a:font script="Hang" typeface="맑은 고딕"/>
+        <a:font script="Hans" typeface="宋体"/>
+        <a:font script="Hant" typeface="新細明體"/>
+        <a:font script="Arab" typeface="Times New Roman"/>
+        <a:font script="Hebr" typeface="Times New Roman"/>
+        <a:font script="Thai" typeface="Angsana New"/>
+        <a:font script="Ethi" typeface="Nyala"/>
+        <a:font script="Beng" typeface="Vrinda"/>
+        <a:font script="Gujr" typeface="Shruti"/>
+        <a:font script="Khmr" typeface="MoolBoran"/>
+        <a:font script="Knda" typeface="Tunga"/>
+        <a:font script="Guru" typeface="Raavi"/>
+        <a:font script="Cans" typeface="Euphemia"/>
+        <a:font script="Cher" typeface="Plantagenet Cherokee"/>
+        <a:font script="Yiii" typeface="Microsoft Yi Baiti"/>
+        <a:font script="Tibt" typeface="Microsoft Himalaya"/>
+        <a:font script="Thaa" typeface="MV Boli"/>
+        <a:font script="Deva" typeface="Mangal"/>
+        <a:font script="Telu" typeface="Gautami"/>
+        <a:font script="Taml" typeface="Latha"/>
+        <a:font script="Syrc" typeface="Estrangelo Edessa"/>
+        <a:font script="Orya" typeface="Kalinga"/>
+        <a:font script="Mlym" typeface="Kartika"/>
+        <a:font script="Laoo" typeface="DokChampa"/>
+        <a:font script="Sinh" typeface="Iskoola Pota"/>
+        <a:font script="Mong" typeface="Mongolian Baiti"/>
+        <a:font script="Viet" typeface="Times New Roman"/>
+        <a:font script="Uigh" typeface="Microsoft Uighur"/>
+        <a:font script="Geor" typeface="Sylfaen"/>
+      </a:majorFont>
+      <a:minorFont>
+        <a:latin typeface="Arial"/>
+        <a:ea typeface=""/>
+        <a:cs typeface=""/>
+        <a:font script="Jpan" typeface="ＭＳ Ｐゴシック"/>
+        <a:font script="Hang" typeface="맑은 고딕"/>
+        <a:font script="Hans" typeface="宋体"/>
+        <a:font script="Hant" typeface="新細明體"/>
+        <a:font script="Arab" typeface="Arial"/>
+        <a:font script="Hebr" typeface="Arial"/>
+        <a:font script="Thai" typeface="Cordia New"/>
+        <a:font script="Ethi" typeface="Nyala"/>
+        <a:font script="Beng" typeface="Vrinda"/>
+        <a:font script="Gujr" typeface="Shruti"/>
+        <a:font script="Khmr" typeface="DaunPenh"/>
+        <a:font script="Knda" typeface="Tunga"/>
+        <a:font script="Guru" typeface="Raavi"/>
+        <a:font script="Cans" typeface="Euphemia"/>
+        <a:font script="Cher" typeface="Plantagenet Cherokee"/>
+        <a:font script="Yiii" typeface="Microsoft Yi Baiti"/>
+        <a:font script="Tibt" typeface="Microsoft Himalaya"/>
+        <a:font script="Thaa" typeface="MV Boli"/>
+        <a:font script="Deva" typeface="Mangal"/>
+        <a:font script="Telu" typeface="Gautami"/>
+        <a:font script="Taml" typeface="Latha"/>
+        <a:font script="Syrc" typeface="Estrangelo Edessa"/>
+        <a:font script="Orya" typeface="Kalinga"/>
+        <a:font script="Mlym" typeface="Kartika"/>
+        <a:font script="Laoo" typeface="DokChampa"/>
+        <a:font script="Sinh" typeface="Iskoola Pota"/>
+        <a:font script="Mong" typeface="Mongolian Baiti"/>
+        <a:font script="Viet" typeface="Arial"/>
+        <a:font script="Uigh" typeface="Microsoft Uighur"/>
+        <a:font script="Geor" typeface="Sylfaen"/>
+      </a:minorFont>
+    </a:fontScheme>
+    <a:fmtScheme name="Office">
+      <a:fillStyleLst>
+        <a:solidFill>
+          <a:schemeClr val="phClr"/>
+        </a:solidFill>
+        <a:gradFill rotWithShape="1">
+          <a:gsLst>
+            <a:gs pos="0">
+              <a:schemeClr val="phClr">
+                <a:tint val="50000"/>
+                <a:satMod val="300000"/>
+              </a:schemeClr>
+            </a:gs>
+            <a:gs pos="35000">
+              <a:schemeClr val="phClr">
+                <a:tint val="37000"/>
+                <a:satMod val="300000"/>
+              </a:schemeClr>
+            </a:gs>
+            <a:gs pos="100000">
+              <a:schemeClr val="phClr">
+                <a:tint val="15000"/>
+                <a:satMod val="350000"/>
+              </a:schemeClr>
+            </a:gs>
+          </a:gsLst>
+          <a:lin ang="16200000" scaled="1"/>
+        </a:gradFill>
+        <a:gradFill rotWithShape="1">
+          <a:gsLst>
+            <a:gs pos="0">
+              <a:schemeClr val="phClr">
+                <a:tint val="100000"/>
+                <a:shade val="100000"/>
+                <a:satMod val="130000"/>
+              </a:schemeClr>
+            </a:gs>
+            <a:gs pos="100000">
+              <a:schemeClr val="phClr">
+                <a:tint val="50000"/>
+                <a:shade val="100000"/>
+                <a:satMod val="350000"/>
+              </a:schemeClr>
+            </a:gs>
+          </a:gsLst>
+          <a:lin ang="16200000" scaled="0"/>
+        </a:gradFill>
+      </a:fillStyleLst>
+      <a:lnStyleLst>
+        <a:ln w="9525" cap="flat" cmpd="sng" algn="ctr">
+          <a:solidFill>
+            <a:schemeClr val="phClr">
+              <a:shade val="95000"/>
+              <a:satMod val="105000"/>
+            </a:schemeClr>
+          </a:solidFill>
+          <a:prstDash val="solid"/>
+        </a:ln>
+        <a:ln w="25400" cap="flat" cmpd="sng" algn="ctr">
+          <a:solidFill>
+            <a:schemeClr val="phClr"/>
+          </a:solidFill>
+          <a:prstDash val="solid"/>
+        </a:ln>
+        <a:ln w="38100" cap="flat" cmpd="sng" algn="ctr">
+          <a:solidFill>
+            <a:schemeClr val="phClr"/>
+          </a:solidFill>
+          <a:prstDash val="solid"/>
+        </a:ln>
+      </a:lnStyleLst>
+      <a:effectStyleLst>
+        <a:effectStyle>
+          <a:effectLst>
+            <a:outerShdw blurRad="40000" dist="20000" dir="5400000" rotWithShape="0">
+              <a:srgbClr val="000000">
+                <a:alpha val="38000"/>
+              </a:srgbClr>
+            </a:outerShdw>
+          </a:effectLst>
+        </a:effectStyle>
+        <a:effectStyle>
+          <a:effectLst>
+            <a:outerShdw blurRad="40000" dist="23000" dir="5400000" rotWithShape="0">
+              <a:srgbClr val="000000">
+                <a:alpha val="35000"/>
+              </a:srgbClr>
+            </a:outerShdw>
+          </a:effectLst>
+        </a:effectStyle>
+        <a:effectStyle>
+          <a:effectLst>
+            <a:outerShdw blurRad="40000" dist="23000" dir="5400000" rotWithShape="0">
+              <a:srgbClr val="000000">
+                <a:alpha val="35000"/>
+              </a:srgbClr>
+            </a:outerShdw>
+          </a:effectLst>
+          <a:scene3d>
+            <a:camera prst="orthographicFront">
+              <a:rot lat="0" lon="0" rev="0"/>
+            </a:camera>
+            <a:lightRig rig="threePt" dir="t">
+              <a:rot lat="0" lon="0" rev="1200000"/>
+            </a:lightRig>
+          </a:scene3d>
+          <a:sp3d>
+            <a:bevelT w="63500" h="25400"/>
+          </a:sp3d>
+        </a:effectStyle>
+      </a:effectStyleLst>
+      <a:bgFillStyleLst>
+        <a:solidFill>
+          <a:schemeClr val="phClr"/>
+        </a:solidFill>
+        <a:gradFill rotWithShape="1">
+          <a:gsLst>
+            <a:gs pos="0">
+              <a:schemeClr val="phClr">
+                <a:tint val="40000"/>
+                <a:satMod val="350000"/>
+              </a:schemeClr>
+            </a:gs>
+            <a:gs pos="40000">
+              <a:schemeClr val="phClr">
+                <a:tint val="45000"/>
+                <a:shade val="99000"/>
+                <a:satMod val="350000"/>
+              </a:schemeClr>
+            </a:gs>
+            <a:gs pos="100000">
+              <a:schemeClr val="phClr">
+                <a:shade val="20000"/>
+                <a:satMod val="255000"/>
+              </a:schemeClr>
+            </a:gs>
+          </a:gsLst>
+          <a:path path="circle">
+            <a:fillToRect l="50000" t="-80000" r="50000" b="180000"/>
+          </a:path>
+        </a:gradFill>
+        <a:gradFill rotWithShape="1">
+          <a:gsLst>
+            <a:gs pos="0">
+              <a:schemeClr val="phClr">
+                <a:tint val="80000"/>
+                <a:satMod val="300000"/>
+              </a:schemeClr>
+            </a:gs>
+            <a:gs pos="100000">
+              <a:schemeClr val="phClr">
+                <a:shade val="30000"/>
+                <a:satMod val="200000"/>
+              </a:schemeClr>
+            </a:gs>
+          </a:gsLst>
+          <a:path path="circle">
+            <a:fillToRect l="50000" t="50000" r="50000" b="50000"/>
+          </a:path>
+        </a:gradFill>
+      </a:bgFillStyleLst>
+    </a:fmtScheme>
+  </a:themeElements>
+</a:theme>
+</file>
+
+<file path=ppt/theme/theme2.xml><?xml version="1.0" encoding="utf-8"?>
 <a:theme xmlns:a="http://schemas.openxmlformats.org/drawingml/2006/main" xmlns:r="http://schemas.openxmlformats.org/officeDocument/2006/relationships" name="Simple Calendar 2021 by Slidesgo">
   <a:themeElements>
     <a:clrScheme name="Simple Light">
@@ -29769,283 +30067,4 @@
     </a:fmtScheme>
   </a:themeElements>
 </a:theme>
-</file>
-
-<file path=ppt/theme/theme2.xml><?xml version="1.0" encoding="utf-8"?>
-<a:theme xmlns:a="http://schemas.openxmlformats.org/drawingml/2006/main" xmlns:r="http://schemas.openxmlformats.org/officeDocument/2006/relationships">
-  <a:themeElements>
-    <a:clrScheme name="Default">
-      <a:dk1>
-        <a:srgbClr val="000000"/>
-      </a:dk1>
-      <a:lt1>
-        <a:srgbClr val="FFFFFF"/>
-      </a:lt1>
-      <a:dk2>
-        <a:srgbClr val="158158"/>
-      </a:dk2>
-      <a:lt2>
-        <a:srgbClr val="F3F3F3"/>
-      </a:lt2>
-      <a:accent1>
-        <a:srgbClr val="058DC7"/>
-      </a:accent1>
-      <a:accent2>
-        <a:srgbClr val="50B432"/>
-      </a:accent2>
-      <a:accent3>
-        <a:srgbClr val="ED561B"/>
-      </a:accent3>
-      <a:accent4>
-        <a:srgbClr val="EDEF00"/>
-      </a:accent4>
-      <a:accent5>
-        <a:srgbClr val="24CBE5"/>
-      </a:accent5>
-      <a:accent6>
-        <a:srgbClr val="64E572"/>
-      </a:accent6>
-      <a:hlink>
-        <a:srgbClr val="2200CC"/>
-      </a:hlink>
-      <a:folHlink>
-        <a:srgbClr val="551A8B"/>
-      </a:folHlink>
-    </a:clrScheme>
-    <a:fontScheme name="Office">
-      <a:majorFont>
-        <a:latin typeface="Arial"/>
-        <a:ea typeface=""/>
-        <a:cs typeface=""/>
-        <a:font script="Jpan" typeface="ＭＳ Ｐゴシック"/>
-        <a:font script="Hang" typeface="맑은 고딕"/>
-        <a:font script="Hans" typeface="宋体"/>
-        <a:font script="Hant" typeface="新細明體"/>
-        <a:font script="Arab" typeface="Times New Roman"/>
-        <a:font script="Hebr" typeface="Times New Roman"/>
-        <a:font script="Thai" typeface="Angsana New"/>
-        <a:font script="Ethi" typeface="Nyala"/>
-        <a:font script="Beng" typeface="Vrinda"/>
-        <a:font script="Gujr" typeface="Shruti"/>
-        <a:font script="Khmr" typeface="MoolBoran"/>
-        <a:font script="Knda" typeface="Tunga"/>
-        <a:font script="Guru" typeface="Raavi"/>
-        <a:font script="Cans" typeface="Euphemia"/>
-        <a:font script="Cher" typeface="Plantagenet Cherokee"/>
-        <a:font script="Yiii" typeface="Microsoft Yi Baiti"/>
-        <a:font script="Tibt" typeface="Microsoft Himalaya"/>
-        <a:font script="Thaa" typeface="MV Boli"/>
-        <a:font script="Deva" typeface="Mangal"/>
-        <a:font script="Telu" typeface="Gautami"/>
-        <a:font script="Taml" typeface="Latha"/>
-        <a:font script="Syrc" typeface="Estrangelo Edessa"/>
-        <a:font script="Orya" typeface="Kalinga"/>
-        <a:font script="Mlym" typeface="Kartika"/>
-        <a:font script="Laoo" typeface="DokChampa"/>
-        <a:font script="Sinh" typeface="Iskoola Pota"/>
-        <a:font script="Mong" typeface="Mongolian Baiti"/>
-        <a:font script="Viet" typeface="Times New Roman"/>
-        <a:font script="Uigh" typeface="Microsoft Uighur"/>
-        <a:font script="Geor" typeface="Sylfaen"/>
-      </a:majorFont>
-      <a:minorFont>
-        <a:latin typeface="Arial"/>
-        <a:ea typeface=""/>
-        <a:cs typeface=""/>
-        <a:font script="Jpan" typeface="ＭＳ Ｐゴシック"/>
-        <a:font script="Hang" typeface="맑은 고딕"/>
-        <a:font script="Hans" typeface="宋体"/>
-        <a:font script="Hant" typeface="新細明體"/>
-        <a:font script="Arab" typeface="Arial"/>
-        <a:font script="Hebr" typeface="Arial"/>
-        <a:font script="Thai" typeface="Cordia New"/>
-        <a:font script="Ethi" typeface="Nyala"/>
-        <a:font script="Beng" typeface="Vrinda"/>
-        <a:font script="Gujr" typeface="Shruti"/>
-        <a:font script="Khmr" typeface="DaunPenh"/>
-        <a:font script="Knda" typeface="Tunga"/>
-        <a:font script="Guru" typeface="Raavi"/>
-        <a:font script="Cans" typeface="Euphemia"/>
-        <a:font script="Cher" typeface="Plantagenet Cherokee"/>
-        <a:font script="Yiii" typeface="Microsoft Yi Baiti"/>
-        <a:font script="Tibt" typeface="Microsoft Himalaya"/>
-        <a:font script="Thaa" typeface="MV Boli"/>
-        <a:font script="Deva" typeface="Mangal"/>
-        <a:font script="Telu" typeface="Gautami"/>
-        <a:font script="Taml" typeface="Latha"/>
-        <a:font script="Syrc" typeface="Estrangelo Edessa"/>
-        <a:font script="Orya" typeface="Kalinga"/>
-        <a:font script="Mlym" typeface="Kartika"/>
-        <a:font script="Laoo" typeface="DokChampa"/>
-        <a:font script="Sinh" typeface="Iskoola Pota"/>
-        <a:font script="Mong" typeface="Mongolian Baiti"/>
-        <a:font script="Viet" typeface="Arial"/>
-        <a:font script="Uigh" typeface="Microsoft Uighur"/>
-        <a:font script="Geor" typeface="Sylfaen"/>
-      </a:minorFont>
-    </a:fontScheme>
-    <a:fmtScheme name="Office">
-      <a:fillStyleLst>
-        <a:solidFill>
-          <a:schemeClr val="phClr"/>
-        </a:solidFill>
-        <a:gradFill rotWithShape="1">
-          <a:gsLst>
-            <a:gs pos="0">
-              <a:schemeClr val="phClr">
-                <a:tint val="50000"/>
-                <a:satMod val="300000"/>
-              </a:schemeClr>
-            </a:gs>
-            <a:gs pos="35000">
-              <a:schemeClr val="phClr">
-                <a:tint val="37000"/>
-                <a:satMod val="300000"/>
-              </a:schemeClr>
-            </a:gs>
-            <a:gs pos="100000">
-              <a:schemeClr val="phClr">
-                <a:tint val="15000"/>
-                <a:satMod val="350000"/>
-              </a:schemeClr>
-            </a:gs>
-          </a:gsLst>
-          <a:lin ang="16200000" scaled="1"/>
-        </a:gradFill>
-        <a:gradFill rotWithShape="1">
-          <a:gsLst>
-            <a:gs pos="0">
-              <a:schemeClr val="phClr">
-                <a:tint val="100000"/>
-                <a:shade val="100000"/>
-                <a:satMod val="130000"/>
-              </a:schemeClr>
-            </a:gs>
-            <a:gs pos="100000">
-              <a:schemeClr val="phClr">
-                <a:tint val="50000"/>
-                <a:shade val="100000"/>
-                <a:satMod val="350000"/>
-              </a:schemeClr>
-            </a:gs>
-          </a:gsLst>
-          <a:lin ang="16200000" scaled="0"/>
-        </a:gradFill>
-      </a:fillStyleLst>
-      <a:lnStyleLst>
-        <a:ln w="9525" cap="flat" cmpd="sng" algn="ctr">
-          <a:solidFill>
-            <a:schemeClr val="phClr">
-              <a:shade val="95000"/>
-              <a:satMod val="105000"/>
-            </a:schemeClr>
-          </a:solidFill>
-          <a:prstDash val="solid"/>
-        </a:ln>
-        <a:ln w="25400" cap="flat" cmpd="sng" algn="ctr">
-          <a:solidFill>
-            <a:schemeClr val="phClr"/>
-          </a:solidFill>
-          <a:prstDash val="solid"/>
-        </a:ln>
-        <a:ln w="38100" cap="flat" cmpd="sng" algn="ctr">
-          <a:solidFill>
-            <a:schemeClr val="phClr"/>
-          </a:solidFill>
-          <a:prstDash val="solid"/>
-        </a:ln>
-      </a:lnStyleLst>
-      <a:effectStyleLst>
-        <a:effectStyle>
-          <a:effectLst>
-            <a:outerShdw blurRad="40000" dist="20000" dir="5400000" rotWithShape="0">
-              <a:srgbClr val="000000">
-                <a:alpha val="38000"/>
-              </a:srgbClr>
-            </a:outerShdw>
-          </a:effectLst>
-        </a:effectStyle>
-        <a:effectStyle>
-          <a:effectLst>
-            <a:outerShdw blurRad="40000" dist="23000" dir="5400000" rotWithShape="0">
-              <a:srgbClr val="000000">
-                <a:alpha val="35000"/>
-              </a:srgbClr>
-            </a:outerShdw>
-          </a:effectLst>
-        </a:effectStyle>
-        <a:effectStyle>
-          <a:effectLst>
-            <a:outerShdw blurRad="40000" dist="23000" dir="5400000" rotWithShape="0">
-              <a:srgbClr val="000000">
-                <a:alpha val="35000"/>
-              </a:srgbClr>
-            </a:outerShdw>
-          </a:effectLst>
-          <a:scene3d>
-            <a:camera prst="orthographicFront">
-              <a:rot lat="0" lon="0" rev="0"/>
-            </a:camera>
-            <a:lightRig rig="threePt" dir="t">
-              <a:rot lat="0" lon="0" rev="1200000"/>
-            </a:lightRig>
-          </a:scene3d>
-          <a:sp3d>
-            <a:bevelT w="63500" h="25400"/>
-          </a:sp3d>
-        </a:effectStyle>
-      </a:effectStyleLst>
-      <a:bgFillStyleLst>
-        <a:solidFill>
-          <a:schemeClr val="phClr"/>
-        </a:solidFill>
-        <a:gradFill rotWithShape="1">
-          <a:gsLst>
-            <a:gs pos="0">
-              <a:schemeClr val="phClr">
-                <a:tint val="40000"/>
-                <a:satMod val="350000"/>
-              </a:schemeClr>
-            </a:gs>
-            <a:gs pos="40000">
-              <a:schemeClr val="phClr">
-                <a:tint val="45000"/>
-                <a:shade val="99000"/>
-                <a:satMod val="350000"/>
-              </a:schemeClr>
-            </a:gs>
-            <a:gs pos="100000">
-              <a:schemeClr val="phClr">
-                <a:shade val="20000"/>
-                <a:satMod val="255000"/>
-              </a:schemeClr>
-            </a:gs>
-          </a:gsLst>
-          <a:path path="circle">
-            <a:fillToRect l="50000" t="-80000" r="50000" b="180000"/>
-          </a:path>
-        </a:gradFill>
-        <a:gradFill rotWithShape="1">
-          <a:gsLst>
-            <a:gs pos="0">
-              <a:schemeClr val="phClr">
-                <a:tint val="80000"/>
-                <a:satMod val="300000"/>
-              </a:schemeClr>
-            </a:gs>
-            <a:gs pos="100000">
-              <a:schemeClr val="phClr">
-                <a:shade val="30000"/>
-                <a:satMod val="200000"/>
-              </a:schemeClr>
-            </a:gs>
-          </a:gsLst>
-          <a:path path="circle">
-            <a:fillToRect l="50000" t="50000" r="50000" b="50000"/>
-          </a:path>
-        </a:gradFill>
-      </a:bgFillStyleLst>
-    </a:fmtScheme>
-  </a:themeElements>
-</a:theme>
 </file>